--- a/SASSy_HongliZhao_0805_2023.pptx
+++ b/SASSy_HongliZhao_0805_2023.pptx
@@ -249,7 +249,7 @@
           <a:p>
             <a:fld id="{8080A489-9093-C54A-B1C3-374F661A0010}" type="datetimeFigureOut">
               <a:rPr lang="en-US" smtClean="0"/>
-              <a:t>8/2/23</a:t>
+              <a:t>8/9/23</a:t>
             </a:fld>
             <a:endParaRPr lang="en-US"/>
           </a:p>
@@ -565,7 +565,7 @@
           <a:noFill/>
           <a:extLst>
             <a:ext uri="{909E8E84-426E-40dd-AFC4-6F175D3DCCD1}">
-              <a14:hiddenFill xmlns:a14="http://schemas.microsoft.com/office/drawing/2010/main" xmlns="">
+              <a14:hiddenFill xmlns="" xmlns:a14="http://schemas.microsoft.com/office/drawing/2010/main">
                 <a:solidFill>
                   <a:srgbClr val="FFFFFF"/>
                 </a:solidFill>
@@ -3548,7 +3548,7 @@
           <a:noFill/>
           <a:extLst>
             <a:ext uri="{909E8E84-426E-40dd-AFC4-6F175D3DCCD1}">
-              <a14:hiddenFill xmlns:a14="http://schemas.microsoft.com/office/drawing/2010/main" xmlns="">
+              <a14:hiddenFill xmlns="" xmlns:a14="http://schemas.microsoft.com/office/drawing/2010/main">
                 <a:solidFill>
                   <a:srgbClr val="FFFFFF"/>
                 </a:solidFill>
@@ -4070,7 +4070,7 @@
           <a:noFill/>
           <a:extLst>
             <a:ext uri="{909E8E84-426E-40dd-AFC4-6F175D3DCCD1}">
-              <a14:hiddenFill xmlns:a14="http://schemas.microsoft.com/office/drawing/2010/main" xmlns="">
+              <a14:hiddenFill xmlns="" xmlns:a14="http://schemas.microsoft.com/office/drawing/2010/main">
                 <a:solidFill>
                   <a:srgbClr val="FFFFFF"/>
                 </a:solidFill>
@@ -4984,7 +4984,7 @@
           <a:noFill/>
           <a:extLst>
             <a:ext uri="{909E8E84-426E-40dd-AFC4-6F175D3DCCD1}">
-              <a14:hiddenFill xmlns:a14="http://schemas.microsoft.com/office/drawing/2010/main" xmlns="">
+              <a14:hiddenFill xmlns="" xmlns:a14="http://schemas.microsoft.com/office/drawing/2010/main">
                 <a:solidFill>
                   <a:srgbClr val="FFFFFF"/>
                 </a:solidFill>
@@ -5744,7 +5744,7 @@
           <a:noFill/>
           <a:extLst>
             <a:ext uri="{909E8E84-426E-40dd-AFC4-6F175D3DCCD1}">
-              <a14:hiddenFill xmlns:a14="http://schemas.microsoft.com/office/drawing/2010/main" xmlns="">
+              <a14:hiddenFill xmlns="" xmlns:a14="http://schemas.microsoft.com/office/drawing/2010/main">
                 <a:solidFill>
                   <a:srgbClr val="FFFFFF"/>
                 </a:solidFill>
@@ -6538,7 +6538,7 @@
           <a:noFill/>
           <a:extLst>
             <a:ext uri="{909E8E84-426E-40dd-AFC4-6F175D3DCCD1}">
-              <a14:hiddenFill xmlns:a14="http://schemas.microsoft.com/office/drawing/2010/main" xmlns="">
+              <a14:hiddenFill xmlns="" xmlns:a14="http://schemas.microsoft.com/office/drawing/2010/main">
                 <a:solidFill>
                   <a:srgbClr val="FFFFFF"/>
                 </a:solidFill>
@@ -12468,7 +12468,7 @@
           <a:noFill/>
           <a:extLst>
             <a:ext uri="{909E8E84-426E-40dd-AFC4-6F175D3DCCD1}">
-              <a14:hiddenFill xmlns:a14="http://schemas.microsoft.com/office/drawing/2010/main" xmlns="">
+              <a14:hiddenFill xmlns="" xmlns:a14="http://schemas.microsoft.com/office/drawing/2010/main">
                 <a:solidFill>
                   <a:srgbClr val="FFFFFF"/>
                 </a:solidFill>
@@ -13222,7 +13222,7 @@
       </p:sp>
       <p:pic>
         <p:nvPicPr>
-          <p:cNvPr id="11" name="Picture 10" descr="A graph of a function&#10;&#10;Description automatically generated">
+          <p:cNvPr id="11" name="Picture 10">
             <a:extLst>
               <a:ext uri="{FF2B5EF4-FFF2-40B4-BE49-F238E27FC236}">
                 <a16:creationId xmlns:a16="http://schemas.microsoft.com/office/drawing/2014/main" id="{A83F4B86-7DD0-A895-1687-B08F5DFC4A34}"/>
@@ -13236,14 +13236,13 @@
         </p:nvPicPr>
         <p:blipFill>
           <a:blip r:embed="rId2"/>
-          <a:stretch>
-            <a:fillRect/>
-          </a:stretch>
+          <a:srcRect/>
+          <a:stretch/>
         </p:blipFill>
         <p:spPr>
           <a:xfrm>
-            <a:off x="5376558" y="989510"/>
-            <a:ext cx="3446130" cy="2584598"/>
+            <a:off x="4572000" y="1266826"/>
+            <a:ext cx="4481069" cy="2170384"/>
           </a:xfrm>
           <a:prstGeom prst="rect">
             <a:avLst/>
@@ -13536,8 +13535,8 @@
           </a:p>
         </p:txBody>
       </p:sp>
-      <mc:AlternateContent xmlns:mc="http://schemas.openxmlformats.org/markup-compatibility/2006">
-        <mc:Choice xmlns:a14="http://schemas.microsoft.com/office/drawing/2010/main" Requires="a14">
+      <mc:AlternateContent xmlns:mc="http://schemas.openxmlformats.org/markup-compatibility/2006" xmlns:a14="http://schemas.microsoft.com/office/drawing/2010/main">
+        <mc:Choice Requires="a14">
           <p:sp>
             <p:nvSpPr>
               <p:cNvPr id="3" name="Content Placeholder 2">
@@ -14823,7 +14822,7 @@
             </p:txBody>
           </p:sp>
         </mc:Choice>
-        <mc:Fallback>
+        <mc:Fallback xmlns="">
           <p:sp>
             <p:nvSpPr>
               <p:cNvPr id="3" name="Content Placeholder 2">
@@ -14967,8 +14966,8 @@
           </a:p>
         </p:txBody>
       </p:sp>
-      <mc:AlternateContent xmlns:mc="http://schemas.openxmlformats.org/markup-compatibility/2006">
-        <mc:Choice xmlns:a14="http://schemas.microsoft.com/office/drawing/2010/main" Requires="a14">
+      <mc:AlternateContent xmlns:mc="http://schemas.openxmlformats.org/markup-compatibility/2006" xmlns:a14="http://schemas.microsoft.com/office/drawing/2010/main">
+        <mc:Choice Requires="a14">
           <p:sp>
             <p:nvSpPr>
               <p:cNvPr id="3" name="Content Placeholder 2">
@@ -15926,7 +15925,7 @@
             </p:txBody>
           </p:sp>
         </mc:Choice>
-        <mc:Fallback>
+        <mc:Fallback xmlns="">
           <p:sp>
             <p:nvSpPr>
               <p:cNvPr id="3" name="Content Placeholder 2">
@@ -16090,7 +16089,7 @@
               </a:pPr>
               <a:t>5</a:t>
             </a:fld>
-            <a:endParaRPr lang="en-US" sz="600"/>
+            <a:endParaRPr lang="en-US" sz="600" dirty="0"/>
           </a:p>
         </p:txBody>
       </p:sp>
@@ -16362,7 +16361,7 @@
         </p:nvSpPr>
         <p:spPr>
           <a:xfrm>
-            <a:off x="6261696" y="3382484"/>
+            <a:off x="6261695" y="4124063"/>
             <a:ext cx="2465584" cy="427516"/>
           </a:xfrm>
         </p:spPr>
@@ -16372,7 +16371,13 @@
           <a:p>
             <a:r>
               <a:rPr lang="en-US" sz="1200" dirty="0"/>
-              <a:t>(Log-scale) training loss for DNN (red) and Fourier DNN (green) </a:t>
+              <a:t>(Top) Fourier net architecture</a:t>
+            </a:r>
+          </a:p>
+          <a:p>
+            <a:r>
+              <a:rPr lang="en-US" sz="1200" dirty="0"/>
+              <a:t>(Bottom) Training loss for DNN (red) and Fourier DNN (green) </a:t>
             </a:r>
           </a:p>
         </p:txBody>
@@ -16414,7 +16419,7 @@
       </p:sp>
       <p:pic>
         <p:nvPicPr>
-          <p:cNvPr id="38" name="Picture 37" descr="A green and red line graph&#10;&#10;Description automatically generated">
+          <p:cNvPr id="38" name="Picture 37">
             <a:extLst>
               <a:ext uri="{FF2B5EF4-FFF2-40B4-BE49-F238E27FC236}">
                 <a16:creationId xmlns:a16="http://schemas.microsoft.com/office/drawing/2014/main" id="{CC99EF91-33E9-DCB0-CBE6-9ADC304E89F7}"/>
@@ -16428,13 +16433,42 @@
         </p:nvPicPr>
         <p:blipFill>
           <a:blip r:embed="rId5"/>
+          <a:srcRect/>
+          <a:stretch/>
+        </p:blipFill>
+        <p:spPr>
+          <a:xfrm>
+            <a:off x="6467958" y="1474599"/>
+            <a:ext cx="2115873" cy="1294485"/>
+          </a:xfrm>
+          <a:prstGeom prst="rect">
+            <a:avLst/>
+          </a:prstGeom>
+        </p:spPr>
+      </p:pic>
+      <p:pic>
+        <p:nvPicPr>
+          <p:cNvPr id="6" name="Picture 5" descr="A green and red line graph&#10;&#10;Description automatically generated">
+            <a:extLst>
+              <a:ext uri="{FF2B5EF4-FFF2-40B4-BE49-F238E27FC236}">
+                <a16:creationId xmlns:a16="http://schemas.microsoft.com/office/drawing/2014/main" id="{1C508B7E-F120-D196-34F9-6503633848A1}"/>
+              </a:ext>
+            </a:extLst>
+          </p:cNvPr>
+          <p:cNvPicPr>
+            <a:picLocks noChangeAspect="1"/>
+          </p:cNvPicPr>
+          <p:nvPr/>
+        </p:nvPicPr>
+        <p:blipFill>
+          <a:blip r:embed="rId6"/>
           <a:stretch>
             <a:fillRect/>
           </a:stretch>
         </p:blipFill>
         <p:spPr>
           <a:xfrm>
-            <a:off x="5876382" y="1735753"/>
+            <a:off x="5876381" y="2735239"/>
             <a:ext cx="3236211" cy="1294485"/>
           </a:xfrm>
           <a:prstGeom prst="rect">
